--- a/changgyu_참고자료/conventional_Deep.pptx
+++ b/changgyu_참고자료/conventional_Deep.pptx
@@ -254,7 +254,7 @@
           <a:p>
             <a:fld id="{52069A89-FEE0-48EB-98A1-4EBF025DE6F6}" type="datetimeFigureOut">
               <a:rPr lang="ko-KR" altLang="en-US" smtClean="0"/>
-              <a:t>2019-02-06</a:t>
+              <a:t>2019-02-18</a:t>
             </a:fld>
             <a:endParaRPr lang="ko-KR" altLang="en-US"/>
           </a:p>
@@ -424,7 +424,7 @@
           <a:p>
             <a:fld id="{52069A89-FEE0-48EB-98A1-4EBF025DE6F6}" type="datetimeFigureOut">
               <a:rPr lang="ko-KR" altLang="en-US" smtClean="0"/>
-              <a:t>2019-02-06</a:t>
+              <a:t>2019-02-18</a:t>
             </a:fld>
             <a:endParaRPr lang="ko-KR" altLang="en-US"/>
           </a:p>
@@ -604,7 +604,7 @@
           <a:p>
             <a:fld id="{52069A89-FEE0-48EB-98A1-4EBF025DE6F6}" type="datetimeFigureOut">
               <a:rPr lang="ko-KR" altLang="en-US" smtClean="0"/>
-              <a:t>2019-02-06</a:t>
+              <a:t>2019-02-18</a:t>
             </a:fld>
             <a:endParaRPr lang="ko-KR" altLang="en-US"/>
           </a:p>
@@ -774,7 +774,7 @@
           <a:p>
             <a:fld id="{52069A89-FEE0-48EB-98A1-4EBF025DE6F6}" type="datetimeFigureOut">
               <a:rPr lang="ko-KR" altLang="en-US" smtClean="0"/>
-              <a:t>2019-02-06</a:t>
+              <a:t>2019-02-18</a:t>
             </a:fld>
             <a:endParaRPr lang="ko-KR" altLang="en-US"/>
           </a:p>
@@ -1020,7 +1020,7 @@
           <a:p>
             <a:fld id="{52069A89-FEE0-48EB-98A1-4EBF025DE6F6}" type="datetimeFigureOut">
               <a:rPr lang="ko-KR" altLang="en-US" smtClean="0"/>
-              <a:t>2019-02-06</a:t>
+              <a:t>2019-02-18</a:t>
             </a:fld>
             <a:endParaRPr lang="ko-KR" altLang="en-US"/>
           </a:p>
@@ -1252,7 +1252,7 @@
           <a:p>
             <a:fld id="{52069A89-FEE0-48EB-98A1-4EBF025DE6F6}" type="datetimeFigureOut">
               <a:rPr lang="ko-KR" altLang="en-US" smtClean="0"/>
-              <a:t>2019-02-06</a:t>
+              <a:t>2019-02-18</a:t>
             </a:fld>
             <a:endParaRPr lang="ko-KR" altLang="en-US"/>
           </a:p>
@@ -1619,7 +1619,7 @@
           <a:p>
             <a:fld id="{52069A89-FEE0-48EB-98A1-4EBF025DE6F6}" type="datetimeFigureOut">
               <a:rPr lang="ko-KR" altLang="en-US" smtClean="0"/>
-              <a:t>2019-02-06</a:t>
+              <a:t>2019-02-18</a:t>
             </a:fld>
             <a:endParaRPr lang="ko-KR" altLang="en-US"/>
           </a:p>
@@ -1737,7 +1737,7 @@
           <a:p>
             <a:fld id="{52069A89-FEE0-48EB-98A1-4EBF025DE6F6}" type="datetimeFigureOut">
               <a:rPr lang="ko-KR" altLang="en-US" smtClean="0"/>
-              <a:t>2019-02-06</a:t>
+              <a:t>2019-02-18</a:t>
             </a:fld>
             <a:endParaRPr lang="ko-KR" altLang="en-US"/>
           </a:p>
@@ -1832,7 +1832,7 @@
           <a:p>
             <a:fld id="{52069A89-FEE0-48EB-98A1-4EBF025DE6F6}" type="datetimeFigureOut">
               <a:rPr lang="ko-KR" altLang="en-US" smtClean="0"/>
-              <a:t>2019-02-06</a:t>
+              <a:t>2019-02-18</a:t>
             </a:fld>
             <a:endParaRPr lang="ko-KR" altLang="en-US"/>
           </a:p>
@@ -2109,7 +2109,7 @@
           <a:p>
             <a:fld id="{52069A89-FEE0-48EB-98A1-4EBF025DE6F6}" type="datetimeFigureOut">
               <a:rPr lang="ko-KR" altLang="en-US" smtClean="0"/>
-              <a:t>2019-02-06</a:t>
+              <a:t>2019-02-18</a:t>
             </a:fld>
             <a:endParaRPr lang="ko-KR" altLang="en-US"/>
           </a:p>
@@ -2366,7 +2366,7 @@
           <a:p>
             <a:fld id="{52069A89-FEE0-48EB-98A1-4EBF025DE6F6}" type="datetimeFigureOut">
               <a:rPr lang="ko-KR" altLang="en-US" smtClean="0"/>
-              <a:t>2019-02-06</a:t>
+              <a:t>2019-02-18</a:t>
             </a:fld>
             <a:endParaRPr lang="ko-KR" altLang="en-US"/>
           </a:p>
@@ -2579,7 +2579,7 @@
           <a:p>
             <a:fld id="{52069A89-FEE0-48EB-98A1-4EBF025DE6F6}" type="datetimeFigureOut">
               <a:rPr lang="ko-KR" altLang="en-US" smtClean="0"/>
-              <a:t>2019-02-06</a:t>
+              <a:t>2019-02-18</a:t>
             </a:fld>
             <a:endParaRPr lang="ko-KR" altLang="en-US"/>
           </a:p>
@@ -4125,13 +4125,6 @@
               </a:rPr>
               <a:t>Position of robot/</a:t>
             </a:r>
-            <a:endParaRPr lang="en-US" altLang="ko-KR" dirty="0" smtClean="0">
-              <a:solidFill>
-                <a:schemeClr val="tx1"/>
-              </a:solidFill>
-              <a:latin typeface="Constantia" panose="02030602050306030303" pitchFamily="18" charset="0"/>
-              <a:ea typeface="배달의민족 주아" panose="02020603020101020101" pitchFamily="18" charset="-127"/>
-            </a:endParaRPr>
           </a:p>
           <a:p>
             <a:pPr algn="ctr"/>
@@ -4145,13 +4138,6 @@
               </a:rPr>
               <a:t>Landmarks</a:t>
             </a:r>
-            <a:endParaRPr lang="en-US" altLang="ko-KR" dirty="0" smtClean="0">
-              <a:solidFill>
-                <a:schemeClr val="tx1"/>
-              </a:solidFill>
-              <a:latin typeface="Constantia" panose="02030602050306030303" pitchFamily="18" charset="0"/>
-              <a:ea typeface="배달의민족 주아" panose="02020603020101020101" pitchFamily="18" charset="-127"/>
-            </a:endParaRPr>
           </a:p>
         </p:txBody>
       </p:sp>
@@ -5645,18 +5631,8 @@
                 <a:latin typeface="Constantia" panose="02030602050306030303" pitchFamily="18" charset="0"/>
                 <a:ea typeface="배달의민족 주아" panose="02020603020101020101" pitchFamily="18" charset="-127"/>
               </a:rPr>
-              <a:t>Position of robot/</a:t>
-            </a:r>
-            <a:endParaRPr lang="en-US" altLang="ko-KR" dirty="0" smtClean="0">
-              <a:solidFill>
-                <a:schemeClr val="tx1"/>
-              </a:solidFill>
-              <a:latin typeface="Constantia" panose="02030602050306030303" pitchFamily="18" charset="0"/>
-              <a:ea typeface="배달의민족 주아" panose="02020603020101020101" pitchFamily="18" charset="-127"/>
-            </a:endParaRPr>
-          </a:p>
-          <a:p>
-            <a:pPr algn="ctr"/>
+              <a:t>Position </a:t>
+            </a:r>
             <a:r>
               <a:rPr lang="en-US" altLang="ko-KR" dirty="0" smtClean="0">
                 <a:solidFill>
@@ -5665,7 +5641,30 @@
                 <a:latin typeface="Constantia" panose="02030602050306030303" pitchFamily="18" charset="0"/>
                 <a:ea typeface="배달의민족 주아" panose="02020603020101020101" pitchFamily="18" charset="-127"/>
               </a:rPr>
-              <a:t>Landmarks</a:t>
+              <a:t>of</a:t>
+            </a:r>
+          </a:p>
+          <a:p>
+            <a:pPr algn="ctr"/>
+            <a:r>
+              <a:rPr lang="en-US" altLang="ko-KR" dirty="0" smtClean="0">
+                <a:solidFill>
+                  <a:schemeClr val="tx1"/>
+                </a:solidFill>
+                <a:latin typeface="Constantia" panose="02030602050306030303" pitchFamily="18" charset="0"/>
+                <a:ea typeface="배달의민족 주아" panose="02020603020101020101" pitchFamily="18" charset="-127"/>
+              </a:rPr>
+              <a:t> </a:t>
+            </a:r>
+            <a:r>
+              <a:rPr lang="en-US" altLang="ko-KR" dirty="0" smtClean="0">
+                <a:solidFill>
+                  <a:schemeClr val="tx1"/>
+                </a:solidFill>
+                <a:latin typeface="Constantia" panose="02030602050306030303" pitchFamily="18" charset="0"/>
+                <a:ea typeface="배달의민족 주아" panose="02020603020101020101" pitchFamily="18" charset="-127"/>
+              </a:rPr>
+              <a:t>a tag node</a:t>
             </a:r>
             <a:endParaRPr lang="en-US" altLang="ko-KR" dirty="0" smtClean="0">
               <a:solidFill>
